--- a/6.List_11_Feb/Python_Lists_Part3.pptx
+++ b/6.List_11_Feb/Python_Lists_Part3.pptx
@@ -121,13 +121,7 @@
               <a:rPr b="0" lang="en-IN" sz="2000" spc="-1" strike="noStrike">
                 <a:latin typeface="Arial"/>
               </a:rPr>
-              <a:t>Click to edit the </a:t>
-            </a:r>
-            <a:r>
-              <a:rPr b="0" lang="en-IN" sz="2000" spc="-1" strike="noStrike">
-                <a:latin typeface="Arial"/>
-              </a:rPr>
-              <a:t>notes format</a:t>
+              <a:t>Click to edit the notes format</a:t>
             </a:r>
             <a:endParaRPr b="0" lang="en-IN" sz="2000" spc="-1" strike="noStrike">
               <a:latin typeface="Arial"/>
@@ -312,7 +306,7 @@
             <a:pPr algn="r">
               <a:buNone/>
             </a:pPr>
-            <a:fld id="{0D86767C-8B67-42B8-975C-FD94D4BA4D40}" type="slidenum">
+            <a:fld id="{552F4F68-003B-4051-BD3E-C9054E96585B}" type="slidenum">
               <a:rPr b="0" lang="en-IN" sz="1400" spc="-1" strike="noStrike">
                 <a:latin typeface="Times New Roman"/>
               </a:rPr>
@@ -453,7 +447,7 @@
               </a:lnSpc>
               <a:buNone/>
             </a:pPr>
-            <a:fld id="{07303A22-4F81-4636-AD86-992B9C910397}" type="slidenum">
+            <a:fld id="{CE0E30E2-68AC-4848-9C29-D1F726F6E151}" type="slidenum">
               <a:rPr b="0" lang="en-US" sz="1200" spc="-1" strike="noStrike">
                 <a:solidFill>
                   <a:srgbClr val="000000"/>
@@ -597,7 +591,7 @@
               </a:lnSpc>
               <a:buNone/>
             </a:pPr>
-            <a:fld id="{D9C818AE-6335-4E32-BE8C-3B7749E6A6A4}" type="slidenum">
+            <a:fld id="{75B40180-6E44-494E-9D2A-27208D28A268}" type="slidenum">
               <a:rPr b="0" lang="en-US" sz="1200" spc="-1" strike="noStrike">
                 <a:solidFill>
                   <a:srgbClr val="000000"/>
@@ -741,7 +735,7 @@
               </a:lnSpc>
               <a:buNone/>
             </a:pPr>
-            <a:fld id="{C83F4182-9A88-4768-8DFA-FB27BC7E6BBC}" type="slidenum">
+            <a:fld id="{7347FD19-4730-4598-83C4-37FA852A7A87}" type="slidenum">
               <a:rPr b="0" lang="en-US" sz="1200" spc="-1" strike="noStrike">
                 <a:solidFill>
                   <a:srgbClr val="000000"/>
@@ -885,7 +879,7 @@
               </a:lnSpc>
               <a:buNone/>
             </a:pPr>
-            <a:fld id="{17BFB188-0216-4767-A270-73D6597A608B}" type="slidenum">
+            <a:fld id="{79B204A3-CDFA-43DD-9243-E70A1AD8B128}" type="slidenum">
               <a:rPr b="0" lang="en-US" sz="1200" spc="-1" strike="noStrike">
                 <a:solidFill>
                   <a:srgbClr val="000000"/>
@@ -1029,7 +1023,7 @@
               </a:lnSpc>
               <a:buNone/>
             </a:pPr>
-            <a:fld id="{ECB3636A-AA65-49E9-94BA-9516D028101A}" type="slidenum">
+            <a:fld id="{4A2C7A41-920B-453B-A7B8-5CE887440548}" type="slidenum">
               <a:rPr b="0" lang="en-US" sz="1200" spc="-1" strike="noStrike">
                 <a:solidFill>
                   <a:srgbClr val="000000"/>
@@ -1173,7 +1167,7 @@
               </a:lnSpc>
               <a:buNone/>
             </a:pPr>
-            <a:fld id="{4D979810-A20E-4543-899F-46D5A2AA629F}" type="slidenum">
+            <a:fld id="{39B9863E-683A-4ED2-9D7A-391552B0C747}" type="slidenum">
               <a:rPr b="0" lang="en-US" sz="1200" spc="-1" strike="noStrike">
                 <a:solidFill>
                   <a:srgbClr val="000000"/>
@@ -1317,7 +1311,7 @@
               </a:lnSpc>
               <a:buNone/>
             </a:pPr>
-            <a:fld id="{5B772B76-56A1-4990-A1EE-14D9EEBC6A72}" type="slidenum">
+            <a:fld id="{2C7D161A-CF88-40BD-B51C-EF94AB3176DB}" type="slidenum">
               <a:rPr b="0" lang="en-US" sz="1200" spc="-1" strike="noStrike">
                 <a:solidFill>
                   <a:srgbClr val="000000"/>
@@ -1461,7 +1455,7 @@
               </a:lnSpc>
               <a:buNone/>
             </a:pPr>
-            <a:fld id="{A3393741-6627-4046-9C9B-B824FF913C02}" type="slidenum">
+            <a:fld id="{4A2CC9AE-30D9-4279-93D1-CA8675786F97}" type="slidenum">
               <a:rPr b="0" lang="en-US" sz="1200" spc="-1" strike="noStrike">
                 <a:solidFill>
                   <a:srgbClr val="000000"/>
@@ -1605,7 +1599,7 @@
               </a:lnSpc>
               <a:buNone/>
             </a:pPr>
-            <a:fld id="{AE2F97D7-9E74-42DE-B03A-56C00D8FB5F5}" type="slidenum">
+            <a:fld id="{E465C95A-064E-4ADC-98EA-5639DEBA13BA}" type="slidenum">
               <a:rPr b="0" lang="en-US" sz="1200" spc="-1" strike="noStrike">
                 <a:solidFill>
                   <a:srgbClr val="000000"/>
@@ -1749,7 +1743,7 @@
               </a:lnSpc>
               <a:buNone/>
             </a:pPr>
-            <a:fld id="{8C739243-E32A-4809-902A-494949AA6CEB}" type="slidenum">
+            <a:fld id="{C17702D7-0DA5-4B62-806E-1EE525FF6BF4}" type="slidenum">
               <a:rPr b="0" lang="en-US" sz="1200" spc="-1" strike="noStrike">
                 <a:solidFill>
                   <a:srgbClr val="000000"/>
@@ -1893,7 +1887,7 @@
               </a:lnSpc>
               <a:buNone/>
             </a:pPr>
-            <a:fld id="{BFDBAE75-75EB-49C6-9FF5-B9AC9DB04EC2}" type="slidenum">
+            <a:fld id="{A4848F8D-0F3C-4DD3-B0A4-B7CE8F0843B7}" type="slidenum">
               <a:rPr b="0" lang="en-US" sz="1200" spc="-1" strike="noStrike">
                 <a:solidFill>
                   <a:srgbClr val="000000"/>
@@ -2037,7 +2031,7 @@
               </a:lnSpc>
               <a:buNone/>
             </a:pPr>
-            <a:fld id="{300773E0-0C38-4295-AC0F-642AE8E4B1F9}" type="slidenum">
+            <a:fld id="{AFAFEDC1-BF15-4040-B6DE-774D57B4F015}" type="slidenum">
               <a:rPr b="0" lang="en-US" sz="1200" spc="-1" strike="noStrike">
                 <a:solidFill>
                   <a:srgbClr val="000000"/>
